--- a/_PowerPoints/1st Semester/Unit 2 Relations and Functions/Algebra3_Day_016 2.3 Linear Functions and Slope Intercept Form.pptx
+++ b/_PowerPoints/1st Semester/Unit 2 Relations and Functions/Algebra3_Day_016 2.3 Linear Functions and Slope Intercept Form.pptx
@@ -290,7 +290,7 @@
             <a:fld id="{87DE6118-2437-4B30-8E3C-4D2BE6020583}" type="datetimeFigureOut">
               <a:rPr lang="en-US" dirty="0"/>
               <a:pPr/>
-              <a:t>10/4/2017</a:t>
+              <a:t>10/10/2018</a:t>
             </a:fld>
             <a:endParaRPr lang="en-US" dirty="0"/>
           </a:p>
@@ -616,7 +616,7 @@
           <a:p>
             <a:fld id="{87DE6118-2437-4B30-8E3C-4D2BE6020583}" type="datetimeFigureOut">
               <a:rPr lang="en-US" dirty="0"/>
-              <a:t>10/4/2017</a:t>
+              <a:t>10/10/2018</a:t>
             </a:fld>
             <a:endParaRPr lang="en-US" dirty="0"/>
           </a:p>
@@ -791,7 +791,7 @@
           <a:p>
             <a:fld id="{87DE6118-2437-4B30-8E3C-4D2BE6020583}" type="datetimeFigureOut">
               <a:rPr lang="en-US" dirty="0"/>
-              <a:t>10/4/2017</a:t>
+              <a:t>10/10/2018</a:t>
             </a:fld>
             <a:endParaRPr lang="en-US" dirty="0"/>
           </a:p>
@@ -956,7 +956,7 @@
           <a:p>
             <a:fld id="{87DE6118-2437-4B30-8E3C-4D2BE6020583}" type="datetimeFigureOut">
               <a:rPr lang="en-US" dirty="0"/>
-              <a:t>10/4/2017</a:t>
+              <a:t>10/10/2018</a:t>
             </a:fld>
             <a:endParaRPr lang="en-US" dirty="0"/>
           </a:p>
@@ -1229,7 +1229,7 @@
             <a:fld id="{87DE6118-2437-4B30-8E3C-4D2BE6020583}" type="datetimeFigureOut">
               <a:rPr lang="en-US" dirty="0"/>
               <a:pPr/>
-              <a:t>10/4/2017</a:t>
+              <a:t>10/10/2018</a:t>
             </a:fld>
             <a:endParaRPr lang="en-US" dirty="0"/>
           </a:p>
@@ -1619,7 +1619,7 @@
           <a:p>
             <a:fld id="{87DE6118-2437-4B30-8E3C-4D2BE6020583}" type="datetimeFigureOut">
               <a:rPr lang="en-US" dirty="0"/>
-              <a:t>10/4/2017</a:t>
+              <a:t>10/10/2018</a:t>
             </a:fld>
             <a:endParaRPr lang="en-US" dirty="0"/>
           </a:p>
@@ -2091,7 +2091,7 @@
           <a:p>
             <a:fld id="{87DE6118-2437-4B30-8E3C-4D2BE6020583}" type="datetimeFigureOut">
               <a:rPr lang="en-US" dirty="0"/>
-              <a:t>10/4/2017</a:t>
+              <a:t>10/10/2018</a:t>
             </a:fld>
             <a:endParaRPr lang="en-US" dirty="0"/>
           </a:p>
@@ -2204,7 +2204,7 @@
           <a:p>
             <a:fld id="{87DE6118-2437-4B30-8E3C-4D2BE6020583}" type="datetimeFigureOut">
               <a:rPr lang="en-US" dirty="0"/>
-              <a:t>10/4/2017</a:t>
+              <a:t>10/10/2018</a:t>
             </a:fld>
             <a:endParaRPr lang="en-US" dirty="0"/>
           </a:p>
@@ -2294,7 +2294,7 @@
           <a:p>
             <a:fld id="{87DE6118-2437-4B30-8E3C-4D2BE6020583}" type="datetimeFigureOut">
               <a:rPr lang="en-US" dirty="0"/>
-              <a:t>10/4/2017</a:t>
+              <a:t>10/10/2018</a:t>
             </a:fld>
             <a:endParaRPr lang="en-US" dirty="0"/>
           </a:p>
@@ -2636,7 +2636,7 @@
             <a:fld id="{87DE6118-2437-4B30-8E3C-4D2BE6020583}" type="datetimeFigureOut">
               <a:rPr lang="en-US" dirty="0"/>
               <a:pPr/>
-              <a:t>10/4/2017</a:t>
+              <a:t>10/10/2018</a:t>
             </a:fld>
             <a:endParaRPr lang="en-US" dirty="0"/>
           </a:p>
@@ -3021,7 +3021,7 @@
             <a:fld id="{87DE6118-2437-4B30-8E3C-4D2BE6020583}" type="datetimeFigureOut">
               <a:rPr lang="en-US" dirty="0"/>
               <a:pPr/>
-              <a:t>10/4/2017</a:t>
+              <a:t>10/10/2018</a:t>
             </a:fld>
             <a:endParaRPr lang="en-US" dirty="0"/>
           </a:p>
@@ -3296,7 +3296,7 @@
             <a:fld id="{87DE6118-2437-4B30-8E3C-4D2BE6020583}" type="datetimeFigureOut">
               <a:rPr lang="en-US" dirty="0"/>
               <a:pPr/>
-              <a:t>10/4/2017</a:t>
+              <a:t>10/10/2018</a:t>
             </a:fld>
             <a:endParaRPr lang="en-US" dirty="0"/>
           </a:p>
@@ -3834,6 +3834,17 @@
               <a:rPr lang="en-US" dirty="0" smtClean="0"/>
             </a:br>
             <a:r>
+              <a:rPr lang="en-US" dirty="0" smtClean="0"/>
+              <a:t/>
+            </a:r>
+            <a:br>
+              <a:rPr lang="en-US" dirty="0" smtClean="0"/>
+            </a:br>
+            <a:r>
+              <a:rPr lang="en-US" dirty="0" smtClean="0"/>
+              <a:t>Is it a relation? Is it a function?</a:t>
+            </a:r>
+            <a:r>
               <a:rPr lang="en-US" dirty="0"/>
               <a:t/>
             </a:r>
@@ -3842,7 +3853,15 @@
             </a:br>
             <a:r>
               <a:rPr lang="en-US" dirty="0" smtClean="0"/>
-              <a:t>Identify the domain and range, and state if it is a function. </a:t>
+              <a:t>Identify the domain and </a:t>
+            </a:r>
+            <a:r>
+              <a:rPr lang="en-US" dirty="0" smtClean="0"/>
+              <a:t>range. </a:t>
+            </a:r>
+            <a:r>
+              <a:rPr lang="en-US" dirty="0" smtClean="0"/>
+              <a:t/>
             </a:r>
             <a:br>
               <a:rPr lang="en-US" dirty="0" smtClean="0"/>
@@ -4153,7 +4172,7 @@
         <p:spPr>
           <a:xfrm>
             <a:off x="1371600" y="2285999"/>
-            <a:ext cx="9601200" cy="2323707"/>
+            <a:ext cx="9601200" cy="3875315"/>
           </a:xfrm>
         </p:spPr>
         <p:txBody>
@@ -4175,9 +4194,32 @@
             </a:r>
             <a:r>
               <a:rPr lang="en-US" sz="3200" dirty="0" smtClean="0"/>
-              <a:t>Find the slope of a line, and write an equation in slope intercept form</a:t>
-            </a:r>
+              <a:t>Find the slope of a line, and write an equation in slope intercept </a:t>
+            </a:r>
+            <a:r>
+              <a:rPr lang="en-US" sz="3200" dirty="0" smtClean="0"/>
+              <a:t>form</a:t>
+            </a:r>
+          </a:p>
+          <a:p>
+            <a:pPr marL="0" indent="0">
+              <a:buNone/>
+            </a:pPr>
             <a:endParaRPr lang="en-US" sz="3200" dirty="0"/>
+          </a:p>
+          <a:p>
+            <a:pPr marL="0" indent="0">
+              <a:buNone/>
+            </a:pPr>
+            <a:r>
+              <a:rPr lang="en-US" sz="3200" b="1" dirty="0" smtClean="0"/>
+              <a:t>HLQ: </a:t>
+            </a:r>
+            <a:r>
+              <a:rPr lang="en-US" sz="3200" dirty="0" smtClean="0"/>
+              <a:t>Explain how/why you think that mathematicians named the formulas “Slope-Intercept” and “Point-Slope” instead of something else. </a:t>
+            </a:r>
+            <a:endParaRPr lang="en-US" sz="3200" b="1" dirty="0"/>
           </a:p>
         </p:txBody>
       </p:sp>
@@ -4271,19 +4313,19 @@
               <a:lstStyle/>
               <a:p>
                 <a:r>
-                  <a:rPr lang="en-US" sz="3200" b="1" u="sng" dirty="0" smtClean="0"/>
+                  <a:rPr lang="en-US" sz="4000" b="1" u="sng" dirty="0" smtClean="0"/>
                   <a:t>Slope – Intercept Form:</a:t>
                 </a:r>
                 <a:r>
-                  <a:rPr lang="en-US" sz="3200" dirty="0"/>
+                  <a:rPr lang="en-US" sz="4000" dirty="0"/>
                   <a:t>     </a:t>
                 </a:r>
                 <a:r>
-                  <a:rPr lang="en-US" sz="3200" b="1" dirty="0"/>
+                  <a:rPr lang="en-US" sz="4000" b="1" dirty="0"/>
                   <a:t>y = mx + </a:t>
                 </a:r>
                 <a:r>
-                  <a:rPr lang="en-US" sz="3200" b="1" dirty="0" smtClean="0"/>
+                  <a:rPr lang="en-US" sz="4000" b="1" dirty="0" smtClean="0"/>
                   <a:t>b</a:t>
                 </a:r>
               </a:p>
@@ -4292,40 +4334,83 @@
                   <a:buNone/>
                 </a:pPr>
                 <a:r>
-                  <a:rPr lang="en-US" sz="3200" dirty="0" smtClean="0"/>
-                  <a:t>(m is the slope, and b is the y-intercept)</a:t>
+                  <a:rPr lang="en-US" sz="4000" smtClean="0"/>
+                  <a:t>m </a:t>
                 </a:r>
-                <a:endParaRPr lang="en-US" sz="3200" dirty="0"/>
+                <a:r>
+                  <a:rPr lang="en-US" sz="4000" dirty="0" smtClean="0"/>
+                  <a:t>is the slope, and b is </a:t>
+                </a:r>
+                <a:r>
+                  <a:rPr lang="en-US" sz="4000" smtClean="0"/>
+                  <a:t>the </a:t>
+                </a:r>
+                <a:r>
+                  <a:rPr lang="en-US" sz="4000" smtClean="0"/>
+                  <a:t>y-intercept</a:t>
+                </a:r>
+                <a:endParaRPr lang="en-US" sz="4000" dirty="0" smtClean="0"/>
+              </a:p>
+              <a:p>
+                <a:pPr marL="530352" lvl="1" indent="0">
+                  <a:buNone/>
+                </a:pPr>
+                <a:r>
+                  <a:rPr lang="en-US" sz="4000" dirty="0"/>
+                  <a:t>x</a:t>
+                </a:r>
+                <a:r>
+                  <a:rPr lang="en-US" sz="4000" dirty="0" smtClean="0"/>
+                  <a:t> and y are all the points (</a:t>
+                </a:r>
+                <a:r>
+                  <a:rPr lang="en-US" sz="4000" dirty="0" err="1" smtClean="0"/>
+                  <a:t>x,y</a:t>
+                </a:r>
+                <a:r>
+                  <a:rPr lang="en-US" sz="4000" dirty="0" smtClean="0"/>
+                  <a:t>) on the line… </a:t>
+                </a:r>
+              </a:p>
+              <a:p>
+                <a:pPr marL="530352" lvl="1" indent="0">
+                  <a:buNone/>
+                </a:pPr>
+                <a:r>
+                  <a:rPr lang="en-US" sz="4000" dirty="0" smtClean="0"/>
+                  <a:t>They are the variables (they change) </a:t>
+                </a:r>
+                <a:endParaRPr lang="en-US" sz="4000" dirty="0"/>
               </a:p>
               <a:p>
                 <a:pPr marL="0" indent="0">
                   <a:buNone/>
                 </a:pPr>
-                <a:endParaRPr lang="en-US" sz="3200" dirty="0"/>
+                <a:endParaRPr lang="en-US" sz="4000" dirty="0"/>
               </a:p>
               <a:p>
                 <a14:m>
                   <m:oMath xmlns:m="http://schemas.openxmlformats.org/officeDocument/2006/math">
                     <m:r>
-                      <a:rPr lang="en-US" sz="3200" i="1">
+                      <a:rPr lang="en-US" sz="4000" i="1">
                         <a:latin typeface="Cambria Math" panose="02040503050406030204" pitchFamily="18" charset="0"/>
                       </a:rPr>
                       <m:t>𝑠𝑙𝑜𝑝𝑒</m:t>
                     </m:r>
                     <m:r>
-                      <a:rPr lang="en-US" sz="3200" b="0" i="1" smtClean="0">
+                      <a:rPr lang="en-US" sz="4000" b="0" i="1" smtClean="0">
                         <a:latin typeface="Cambria Math" panose="02040503050406030204" pitchFamily="18" charset="0"/>
                       </a:rPr>
                       <m:t>=</m:t>
                     </m:r>
                     <m:r>
-                      <a:rPr lang="en-US" sz="3200" b="0" i="1" smtClean="0">
+                      <a:rPr lang="en-US" sz="4000" b="0" i="1" smtClean="0">
                         <a:latin typeface="Cambria Math" panose="02040503050406030204" pitchFamily="18" charset="0"/>
                       </a:rPr>
                       <m:t>𝑚</m:t>
                     </m:r>
                     <m:r>
-                      <a:rPr lang="en-US" sz="3200" i="1">
+                      <a:rPr lang="en-US" sz="4000" i="1">
                         <a:latin typeface="Cambria Math" panose="02040503050406030204" pitchFamily="18" charset="0"/>
                       </a:rPr>
                       <m:t>=</m:t>
@@ -4333,14 +4418,14 @@
                     <m:f>
                       <m:fPr>
                         <m:ctrlPr>
-                          <a:rPr lang="en-US" sz="3200" i="1">
+                          <a:rPr lang="en-US" sz="4000" i="1">
                             <a:latin typeface="Cambria Math" panose="02040503050406030204" pitchFamily="18" charset="0"/>
                           </a:rPr>
                         </m:ctrlPr>
                       </m:fPr>
                       <m:num>
                         <m:r>
-                          <a:rPr lang="en-US" sz="3200" i="1">
+                          <a:rPr lang="en-US" sz="4000" i="1">
                             <a:latin typeface="Cambria Math" panose="02040503050406030204" pitchFamily="18" charset="0"/>
                           </a:rPr>
                           <m:t>𝑟𝑖𝑠𝑒</m:t>
@@ -4348,7 +4433,7 @@
                       </m:num>
                       <m:den>
                         <m:r>
-                          <a:rPr lang="en-US" sz="3200" i="1">
+                          <a:rPr lang="en-US" sz="4000" i="1">
                             <a:latin typeface="Cambria Math" panose="02040503050406030204" pitchFamily="18" charset="0"/>
                           </a:rPr>
                           <m:t>𝑟𝑢𝑛</m:t>
@@ -4356,7 +4441,7 @@
                       </m:den>
                     </m:f>
                     <m:r>
-                      <a:rPr lang="en-US" sz="3200" i="1">
+                      <a:rPr lang="en-US" sz="4000" i="1">
                         <a:latin typeface="Cambria Math" panose="02040503050406030204" pitchFamily="18" charset="0"/>
                       </a:rPr>
                       <m:t>=</m:t>
@@ -4364,7 +4449,7 @@
                     <m:f>
                       <m:fPr>
                         <m:ctrlPr>
-                          <a:rPr lang="en-US" sz="3200" i="1">
+                          <a:rPr lang="en-US" sz="4000" i="1">
                             <a:latin typeface="Cambria Math" panose="02040503050406030204" pitchFamily="18" charset="0"/>
                           </a:rPr>
                         </m:ctrlPr>
@@ -4373,14 +4458,14 @@
                         <m:sSub>
                           <m:sSubPr>
                             <m:ctrlPr>
-                              <a:rPr lang="en-US" sz="3200" i="1">
+                              <a:rPr lang="en-US" sz="4000" i="1">
                                 <a:latin typeface="Cambria Math" panose="02040503050406030204" pitchFamily="18" charset="0"/>
                               </a:rPr>
                             </m:ctrlPr>
                           </m:sSubPr>
                           <m:e>
                             <m:r>
-                              <a:rPr lang="en-US" sz="3200" i="1">
+                              <a:rPr lang="en-US" sz="4000" i="1">
                                 <a:latin typeface="Cambria Math" panose="02040503050406030204" pitchFamily="18" charset="0"/>
                               </a:rPr>
                               <m:t>𝑦</m:t>
@@ -4388,7 +4473,7 @@
                           </m:e>
                           <m:sub>
                             <m:r>
-                              <a:rPr lang="en-US" sz="3200" i="1">
+                              <a:rPr lang="en-US" sz="4000" i="1">
                                 <a:latin typeface="Cambria Math" panose="02040503050406030204" pitchFamily="18" charset="0"/>
                               </a:rPr>
                               <m:t>2</m:t>
@@ -4396,7 +4481,7 @@
                           </m:sub>
                         </m:sSub>
                         <m:r>
-                          <a:rPr lang="en-US" sz="3200" i="1">
+                          <a:rPr lang="en-US" sz="4000" i="1">
                             <a:latin typeface="Cambria Math" panose="02040503050406030204" pitchFamily="18" charset="0"/>
                           </a:rPr>
                           <m:t>−</m:t>
@@ -4404,14 +4489,14 @@
                         <m:sSub>
                           <m:sSubPr>
                             <m:ctrlPr>
-                              <a:rPr lang="en-US" sz="3200" i="1">
+                              <a:rPr lang="en-US" sz="4000" i="1">
                                 <a:latin typeface="Cambria Math" panose="02040503050406030204" pitchFamily="18" charset="0"/>
                               </a:rPr>
                             </m:ctrlPr>
                           </m:sSubPr>
                           <m:e>
                             <m:r>
-                              <a:rPr lang="en-US" sz="3200" i="1">
+                              <a:rPr lang="en-US" sz="4000" i="1">
                                 <a:latin typeface="Cambria Math" panose="02040503050406030204" pitchFamily="18" charset="0"/>
                               </a:rPr>
                               <m:t>𝑦</m:t>
@@ -4419,7 +4504,7 @@
                           </m:e>
                           <m:sub>
                             <m:r>
-                              <a:rPr lang="en-US" sz="3200" i="1">
+                              <a:rPr lang="en-US" sz="4000" i="1">
                                 <a:latin typeface="Cambria Math" panose="02040503050406030204" pitchFamily="18" charset="0"/>
                               </a:rPr>
                               <m:t>1</m:t>
@@ -4431,14 +4516,14 @@
                         <m:sSub>
                           <m:sSubPr>
                             <m:ctrlPr>
-                              <a:rPr lang="en-US" sz="3200" i="1">
+                              <a:rPr lang="en-US" sz="4000" i="1">
                                 <a:latin typeface="Cambria Math" panose="02040503050406030204" pitchFamily="18" charset="0"/>
                               </a:rPr>
                             </m:ctrlPr>
                           </m:sSubPr>
                           <m:e>
                             <m:r>
-                              <a:rPr lang="en-US" sz="3200" i="1">
+                              <a:rPr lang="en-US" sz="4000" i="1">
                                 <a:latin typeface="Cambria Math" panose="02040503050406030204" pitchFamily="18" charset="0"/>
                               </a:rPr>
                               <m:t>𝑥</m:t>
@@ -4446,7 +4531,7 @@
                           </m:e>
                           <m:sub>
                             <m:r>
-                              <a:rPr lang="en-US" sz="3200" i="1">
+                              <a:rPr lang="en-US" sz="4000" i="1">
                                 <a:latin typeface="Cambria Math" panose="02040503050406030204" pitchFamily="18" charset="0"/>
                               </a:rPr>
                               <m:t>2</m:t>
@@ -4454,7 +4539,7 @@
                           </m:sub>
                         </m:sSub>
                         <m:r>
-                          <a:rPr lang="en-US" sz="3200" i="1">
+                          <a:rPr lang="en-US" sz="4000" i="1">
                             <a:latin typeface="Cambria Math" panose="02040503050406030204" pitchFamily="18" charset="0"/>
                           </a:rPr>
                           <m:t>−</m:t>
@@ -4462,14 +4547,14 @@
                         <m:sSub>
                           <m:sSubPr>
                             <m:ctrlPr>
-                              <a:rPr lang="en-US" sz="3200" i="1">
+                              <a:rPr lang="en-US" sz="4000" i="1">
                                 <a:latin typeface="Cambria Math" panose="02040503050406030204" pitchFamily="18" charset="0"/>
                               </a:rPr>
                             </m:ctrlPr>
                           </m:sSubPr>
                           <m:e>
                             <m:r>
-                              <a:rPr lang="en-US" sz="3200" i="1">
+                              <a:rPr lang="en-US" sz="4000" i="1">
                                 <a:latin typeface="Cambria Math" panose="02040503050406030204" pitchFamily="18" charset="0"/>
                               </a:rPr>
                               <m:t>𝑥</m:t>
@@ -4477,7 +4562,7 @@
                           </m:e>
                           <m:sub>
                             <m:r>
-                              <a:rPr lang="en-US" sz="3200" i="1">
+                              <a:rPr lang="en-US" sz="4000" i="1">
                                 <a:latin typeface="Cambria Math" panose="02040503050406030204" pitchFamily="18" charset="0"/>
                               </a:rPr>
                               <m:t>1</m:t>
@@ -4488,7 +4573,7 @@
                     </m:f>
                   </m:oMath>
                 </a14:m>
-                <a:endParaRPr lang="en-US" sz="3200" dirty="0"/>
+                <a:endParaRPr lang="en-US" sz="4000" dirty="0"/>
               </a:p>
               <a:p>
                 <a:pPr marL="0" indent="0">
@@ -4536,7 +4621,7 @@
               <a:blipFill rotWithShape="0">
                 <a:blip r:embed="rId2"/>
                 <a:stretch>
-                  <a:fillRect l="-1282" t="-2231"/>
+                  <a:fillRect l="-1784" t="-3150"/>
                 </a:stretch>
               </a:blipFill>
             </p:spPr>
